--- a/dl_basic/의사결정 트리.pptx
+++ b/dl_basic/의사결정 트리.pptx
@@ -111,6 +111,22 @@
       </a:defRPr>
     </a:lvl9pPr>
   </p:defaultTextStyle>
+  <p:extLst>
+    <p:ext uri="{EFAFB233-063F-42B5-8137-9DF3F51BA10A}">
+      <p15:sldGuideLst xmlns:p15="http://schemas.microsoft.com/office/powerpoint/2012/main">
+        <p15:guide id="1" orient="horz" pos="2160">
+          <p15:clr>
+            <a:srgbClr val="A4A3A4"/>
+          </p15:clr>
+        </p15:guide>
+        <p15:guide id="2" pos="2880">
+          <p15:clr>
+            <a:srgbClr val="A4A3A4"/>
+          </p15:clr>
+        </p15:guide>
+      </p15:sldGuideLst>
+    </p:ext>
+  </p:extLst>
 </p:presentation>
 </file>
 
@@ -295,7 +311,7 @@
           <a:p>
             <a:fld id="{5DEDD3FF-8D93-4F67-8481-C9E7535D6EB1}" type="datetimeFigureOut">
               <a:rPr lang="ko-KR" altLang="en-US" smtClean="0"/>
-              <a:t>2018-07-22</a:t>
+              <a:t>2018-07-23</a:t>
             </a:fld>
             <a:endParaRPr lang="ko-KR" altLang="en-US"/>
           </a:p>
@@ -465,7 +481,7 @@
           <a:p>
             <a:fld id="{5DEDD3FF-8D93-4F67-8481-C9E7535D6EB1}" type="datetimeFigureOut">
               <a:rPr lang="ko-KR" altLang="en-US" smtClean="0"/>
-              <a:t>2018-07-22</a:t>
+              <a:t>2018-07-23</a:t>
             </a:fld>
             <a:endParaRPr lang="ko-KR" altLang="en-US"/>
           </a:p>
@@ -645,7 +661,7 @@
           <a:p>
             <a:fld id="{5DEDD3FF-8D93-4F67-8481-C9E7535D6EB1}" type="datetimeFigureOut">
               <a:rPr lang="ko-KR" altLang="en-US" smtClean="0"/>
-              <a:t>2018-07-22</a:t>
+              <a:t>2018-07-23</a:t>
             </a:fld>
             <a:endParaRPr lang="ko-KR" altLang="en-US"/>
           </a:p>
@@ -815,7 +831,7 @@
           <a:p>
             <a:fld id="{5DEDD3FF-8D93-4F67-8481-C9E7535D6EB1}" type="datetimeFigureOut">
               <a:rPr lang="ko-KR" altLang="en-US" smtClean="0"/>
-              <a:t>2018-07-22</a:t>
+              <a:t>2018-07-23</a:t>
             </a:fld>
             <a:endParaRPr lang="ko-KR" altLang="en-US"/>
           </a:p>
@@ -1061,7 +1077,7 @@
           <a:p>
             <a:fld id="{5DEDD3FF-8D93-4F67-8481-C9E7535D6EB1}" type="datetimeFigureOut">
               <a:rPr lang="ko-KR" altLang="en-US" smtClean="0"/>
-              <a:t>2018-07-22</a:t>
+              <a:t>2018-07-23</a:t>
             </a:fld>
             <a:endParaRPr lang="ko-KR" altLang="en-US"/>
           </a:p>
@@ -1349,7 +1365,7 @@
           <a:p>
             <a:fld id="{5DEDD3FF-8D93-4F67-8481-C9E7535D6EB1}" type="datetimeFigureOut">
               <a:rPr lang="ko-KR" altLang="en-US" smtClean="0"/>
-              <a:t>2018-07-22</a:t>
+              <a:t>2018-07-23</a:t>
             </a:fld>
             <a:endParaRPr lang="ko-KR" altLang="en-US"/>
           </a:p>
@@ -1771,7 +1787,7 @@
           <a:p>
             <a:fld id="{5DEDD3FF-8D93-4F67-8481-C9E7535D6EB1}" type="datetimeFigureOut">
               <a:rPr lang="ko-KR" altLang="en-US" smtClean="0"/>
-              <a:t>2018-07-22</a:t>
+              <a:t>2018-07-23</a:t>
             </a:fld>
             <a:endParaRPr lang="ko-KR" altLang="en-US"/>
           </a:p>
@@ -1889,7 +1905,7 @@
           <a:p>
             <a:fld id="{5DEDD3FF-8D93-4F67-8481-C9E7535D6EB1}" type="datetimeFigureOut">
               <a:rPr lang="ko-KR" altLang="en-US" smtClean="0"/>
-              <a:t>2018-07-22</a:t>
+              <a:t>2018-07-23</a:t>
             </a:fld>
             <a:endParaRPr lang="ko-KR" altLang="en-US"/>
           </a:p>
@@ -1984,7 +2000,7 @@
           <a:p>
             <a:fld id="{5DEDD3FF-8D93-4F67-8481-C9E7535D6EB1}" type="datetimeFigureOut">
               <a:rPr lang="ko-KR" altLang="en-US" smtClean="0"/>
-              <a:t>2018-07-22</a:t>
+              <a:t>2018-07-23</a:t>
             </a:fld>
             <a:endParaRPr lang="ko-KR" altLang="en-US"/>
           </a:p>
@@ -2261,7 +2277,7 @@
           <a:p>
             <a:fld id="{5DEDD3FF-8D93-4F67-8481-C9E7535D6EB1}" type="datetimeFigureOut">
               <a:rPr lang="ko-KR" altLang="en-US" smtClean="0"/>
-              <a:t>2018-07-22</a:t>
+              <a:t>2018-07-23</a:t>
             </a:fld>
             <a:endParaRPr lang="ko-KR" altLang="en-US"/>
           </a:p>
@@ -2514,7 +2530,7 @@
           <a:p>
             <a:fld id="{5DEDD3FF-8D93-4F67-8481-C9E7535D6EB1}" type="datetimeFigureOut">
               <a:rPr lang="ko-KR" altLang="en-US" smtClean="0"/>
-              <a:t>2018-07-22</a:t>
+              <a:t>2018-07-23</a:t>
             </a:fld>
             <a:endParaRPr lang="ko-KR" altLang="en-US"/>
           </a:p>
@@ -2727,7 +2743,7 @@
           <a:p>
             <a:fld id="{5DEDD3FF-8D93-4F67-8481-C9E7535D6EB1}" type="datetimeFigureOut">
               <a:rPr lang="ko-KR" altLang="en-US" smtClean="0"/>
-              <a:t>2018-07-22</a:t>
+              <a:t>2018-07-23</a:t>
             </a:fld>
             <a:endParaRPr lang="ko-KR" altLang="en-US"/>
           </a:p>
@@ -3211,7 +3227,6 @@
               <a:rPr lang="en-US" altLang="ko-KR" b="1" dirty="0" smtClean="0"/>
               <a:t> – Decision Trees</a:t>
             </a:r>
-            <a:endParaRPr lang="en-US" altLang="ko-KR" b="1" dirty="0" smtClean="0"/>
           </a:p>
           <a:p>
             <a:r>
@@ -3483,11 +3498,7 @@
             </a:r>
             <a:r>
               <a:rPr lang="en-US" altLang="ko-KR" dirty="0" smtClean="0"/>
-              <a:t>(</a:t>
-            </a:r>
-            <a:r>
-              <a:rPr lang="en-US" altLang="ko-KR" dirty="0" smtClean="0"/>
-              <a:t>branch), </a:t>
+              <a:t>(branch), </a:t>
             </a:r>
             <a:r>
               <a:rPr lang="ko-KR" altLang="en-US" dirty="0" smtClean="0"/>
@@ -3787,7 +3798,6 @@
               <a:rPr lang="en-US" altLang="ko-KR" b="1" dirty="0" smtClean="0"/>
               <a:t>(information gain)</a:t>
             </a:r>
-            <a:endParaRPr lang="en-US" altLang="ko-KR" b="1" dirty="0" smtClean="0"/>
           </a:p>
           <a:p>
             <a:r>
@@ -4339,7 +4349,6 @@
               <a:rPr lang="en-US" altLang="ko-KR" b="1" dirty="0" smtClean="0"/>
               <a:t>(1/3)</a:t>
             </a:r>
-            <a:endParaRPr lang="en-US" altLang="ko-KR" b="1" dirty="0" smtClean="0"/>
           </a:p>
           <a:p>
             <a:r>
@@ -4650,7 +4659,6 @@
               <a:rPr lang="en-US" altLang="ko-KR" b="1" dirty="0" smtClean="0"/>
               <a:t>(2/3)</a:t>
             </a:r>
-            <a:endParaRPr lang="en-US" altLang="ko-KR" b="1" dirty="0" smtClean="0"/>
           </a:p>
           <a:p>
             <a:r>
@@ -4928,7 +4936,6 @@
               <a:rPr lang="en-US" altLang="ko-KR" b="1" dirty="0" smtClean="0"/>
               <a:t>(3/3)</a:t>
             </a:r>
-            <a:endParaRPr lang="en-US" altLang="ko-KR" b="1" dirty="0" smtClean="0"/>
           </a:p>
           <a:p>
             <a:r>
@@ -5201,7 +5208,7 @@
         <p:spPr>
           <a:xfrm>
             <a:off x="251520" y="260648"/>
-            <a:ext cx="8640960" cy="3970318"/>
+            <a:ext cx="8640960" cy="5478423"/>
           </a:xfrm>
           <a:prstGeom prst="rect">
             <a:avLst/>
@@ -5222,7 +5229,6 @@
               <a:rPr lang="en-US" altLang="ko-KR" b="1" dirty="0" smtClean="0"/>
               <a:t>(3/3)</a:t>
             </a:r>
-            <a:endParaRPr lang="en-US" altLang="ko-KR" b="1" dirty="0" smtClean="0"/>
           </a:p>
           <a:p>
             <a:r>
@@ -5346,9 +5352,140 @@
             </a:r>
             <a:r>
               <a:rPr lang="ko-KR" altLang="en-US" dirty="0" smtClean="0"/>
-              <a:t>정확도를 떨어뜨리는 속성을 제거</a:t>
+              <a:t>정확도를 떨어뜨리는 </a:t>
+            </a:r>
+            <a:r>
+              <a:rPr lang="ko-KR" altLang="en-US" smtClean="0"/>
+              <a:t>속성을 </a:t>
+            </a:r>
+            <a:r>
+              <a:rPr lang="ko-KR" altLang="en-US" smtClean="0"/>
+              <a:t>제거</a:t>
             </a:r>
             <a:endParaRPr lang="en-US" altLang="ko-KR" dirty="0" smtClean="0"/>
+          </a:p>
+          <a:p>
+            <a:r>
+              <a:rPr lang="en-US" altLang="ko-KR" sz="1600" dirty="0"/>
+              <a:t> </a:t>
+            </a:r>
+            <a:r>
+              <a:rPr lang="en-US" altLang="ko-KR" sz="1600" dirty="0" smtClean="0"/>
+              <a:t>   - 'A=1, B=2, C=3' rule</a:t>
+            </a:r>
+            <a:r>
+              <a:rPr lang="ko-KR" altLang="en-US" sz="1600" smtClean="0"/>
+              <a:t>과 하나씩 제거한 </a:t>
+            </a:r>
+            <a:r>
+              <a:rPr lang="en-US" altLang="ko-KR" sz="1600" dirty="0" smtClean="0"/>
+              <a:t>rule</a:t>
+            </a:r>
+            <a:r>
+              <a:rPr lang="ko-KR" altLang="en-US" sz="1600" smtClean="0"/>
+              <a:t>과 비교하여 </a:t>
+            </a:r>
+            <a:r>
+              <a:rPr lang="en-US" altLang="ko-KR" sz="1600" dirty="0" smtClean="0"/>
+              <a:t>accuracy</a:t>
+            </a:r>
+            <a:r>
+              <a:rPr lang="ko-KR" altLang="en-US" sz="1600" smtClean="0"/>
+              <a:t>가 높아질 경우 해당 속성 제거</a:t>
+            </a:r>
+            <a:endParaRPr lang="en-US" altLang="ko-KR" sz="1600" dirty="0" smtClean="0"/>
+          </a:p>
+          <a:p>
+            <a:r>
+              <a:rPr lang="en-US" altLang="ko-KR" sz="1600" dirty="0"/>
+              <a:t> </a:t>
+            </a:r>
+            <a:r>
+              <a:rPr lang="en-US" altLang="ko-KR" sz="1600" dirty="0" smtClean="0"/>
+              <a:t>   - ex</a:t>
+            </a:r>
+            <a:r>
+              <a:rPr lang="en-US" altLang="ko-KR" sz="1600" dirty="0"/>
+              <a:t>) </a:t>
+            </a:r>
+            <a:r>
+              <a:rPr lang="en-US" altLang="ko-KR" sz="1600" dirty="0" smtClean="0"/>
+              <a:t>'A=1</a:t>
+            </a:r>
+            <a:r>
+              <a:rPr lang="en-US" altLang="ko-KR" sz="1600" dirty="0"/>
+              <a:t>, B=2, </a:t>
+            </a:r>
+            <a:r>
+              <a:rPr lang="en-US" altLang="ko-KR" sz="1600" dirty="0" smtClean="0"/>
+              <a:t>C=3' = 0.5, </a:t>
+            </a:r>
+            <a:r>
+              <a:rPr lang="en-US" altLang="ko-KR" sz="1600" dirty="0"/>
+              <a:t>'A=1, </a:t>
+            </a:r>
+            <a:r>
+              <a:rPr lang="en-US" altLang="ko-KR" sz="1600" dirty="0" smtClean="0"/>
+              <a:t>B=2' = 0.6,</a:t>
+            </a:r>
+          </a:p>
+          <a:p>
+            <a:r>
+              <a:rPr lang="en-US" altLang="ko-KR" sz="1600" dirty="0" smtClean="0"/>
+              <a:t>      </a:t>
+            </a:r>
+            <a:r>
+              <a:rPr lang="en-US" altLang="ko-KR" sz="1600" dirty="0"/>
+              <a:t>'A=1, </a:t>
+            </a:r>
+            <a:r>
+              <a:rPr lang="en-US" altLang="ko-KR" sz="1600" dirty="0" smtClean="0"/>
+              <a:t>C=3' = 0.4, 'B=2</a:t>
+            </a:r>
+            <a:r>
+              <a:rPr lang="en-US" altLang="ko-KR" sz="1600" dirty="0"/>
+              <a:t>, </a:t>
+            </a:r>
+            <a:r>
+              <a:rPr lang="en-US" altLang="ko-KR" sz="1600" dirty="0" smtClean="0"/>
+              <a:t>C=3' = 0.3</a:t>
+            </a:r>
+            <a:r>
+              <a:rPr lang="ko-KR" altLang="en-US" sz="1600" smtClean="0"/>
+              <a:t>일 경우</a:t>
+            </a:r>
+            <a:endParaRPr lang="en-US" altLang="ko-KR" sz="1600" dirty="0" smtClean="0"/>
+          </a:p>
+          <a:p>
+            <a:r>
+              <a:rPr lang="en-US" altLang="ko-KR" sz="1600" dirty="0"/>
+              <a:t> </a:t>
+            </a:r>
+            <a:r>
+              <a:rPr lang="en-US" altLang="ko-KR" sz="1600" dirty="0" smtClean="0"/>
+              <a:t>     C</a:t>
+            </a:r>
+            <a:r>
+              <a:rPr lang="ko-KR" altLang="en-US" sz="1600" smtClean="0"/>
+              <a:t>가 포함될 경우 </a:t>
+            </a:r>
+            <a:r>
+              <a:rPr lang="en-US" altLang="ko-KR" sz="1600" dirty="0" smtClean="0"/>
+              <a:t>accuracy</a:t>
+            </a:r>
+            <a:r>
+              <a:rPr lang="ko-KR" altLang="en-US" sz="1600" smtClean="0"/>
+              <a:t>가 높아지므로 </a:t>
+            </a:r>
+            <a:r>
+              <a:rPr lang="en-US" altLang="ko-KR" sz="1600" dirty="0" smtClean="0"/>
+              <a:t>C </a:t>
+            </a:r>
+            <a:r>
+              <a:rPr lang="ko-KR" altLang="en-US" sz="1600" smtClean="0"/>
+              <a:t>제거</a:t>
+            </a:r>
+            <a:endParaRPr lang="en-US" altLang="ko-KR" sz="1600" dirty="0" smtClean="0"/>
           </a:p>
           <a:p>
             <a:r>
@@ -5365,7 +5502,26 @@
             </a:r>
             <a:r>
               <a:rPr lang="ko-KR" altLang="en-US" dirty="0" smtClean="0"/>
-              <a:t> 완료되면 정확도 순으로 정렬하고 이 순서대로 판별식에 활용</a:t>
+              <a:t> 완료되면 정확도 </a:t>
+            </a:r>
+            <a:r>
+              <a:rPr lang="ko-KR" altLang="en-US" smtClean="0"/>
+              <a:t>순으로 </a:t>
+            </a:r>
+            <a:r>
+              <a:rPr lang="ko-KR" altLang="en-US" smtClean="0"/>
+              <a:t>정렬하고</a:t>
+            </a:r>
+            <a:endParaRPr lang="en-US" altLang="ko-KR" dirty="0" smtClean="0"/>
+          </a:p>
+          <a:p>
+            <a:r>
+              <a:rPr lang="ko-KR" altLang="en-US" dirty="0" smtClean="0"/>
+              <a:t>이 </a:t>
+            </a:r>
+            <a:r>
+              <a:rPr lang="ko-KR" altLang="en-US" dirty="0" smtClean="0"/>
+              <a:t>순서대로 판별식에 활용</a:t>
             </a:r>
             <a:endParaRPr lang="en-US" altLang="ko-KR" dirty="0" smtClean="0"/>
           </a:p>
@@ -5407,21 +5563,37 @@
           <a:p>
             <a:r>
               <a:rPr lang="ko-KR" altLang="en-US" dirty="0" smtClean="0"/>
-              <a:t>사람이 이해하기에 직관적일 뿐만 아니라 각 룰에서</a:t>
+              <a:t>사람이 이해하기에 직관적일 뿐만 아니라 </a:t>
+            </a:r>
+            <a:r>
+              <a:rPr lang="ko-KR" altLang="en-US" dirty="0" smtClean="0"/>
+              <a:t>각</a:t>
             </a:r>
             <a:endParaRPr lang="en-US" altLang="ko-KR" dirty="0" smtClean="0"/>
           </a:p>
           <a:p>
             <a:r>
               <a:rPr lang="ko-KR" altLang="en-US" dirty="0" smtClean="0"/>
-              <a:t>사용되는 속성이 의사결정 경로에 따라 달리 해석</a:t>
+              <a:t>룰에서 사용되는 </a:t>
+            </a:r>
+            <a:r>
+              <a:rPr lang="ko-KR" altLang="en-US" dirty="0" smtClean="0"/>
+              <a:t>속성이 의사결정 경로에 </a:t>
+            </a:r>
+            <a:r>
+              <a:rPr lang="ko-KR" altLang="en-US" dirty="0" smtClean="0"/>
+              <a:t>따라</a:t>
             </a:r>
             <a:endParaRPr lang="en-US" altLang="ko-KR" dirty="0" smtClean="0"/>
           </a:p>
           <a:p>
             <a:r>
               <a:rPr lang="ko-KR" altLang="en-US" dirty="0" smtClean="0"/>
-              <a:t>될 수 있기 때문</a:t>
+              <a:t>달리 해석될 </a:t>
+            </a:r>
+            <a:r>
+              <a:rPr lang="ko-KR" altLang="en-US" dirty="0" smtClean="0"/>
+              <a:t>수 있기 때문</a:t>
             </a:r>
             <a:endParaRPr lang="en-US" altLang="ko-KR" dirty="0" smtClean="0"/>
           </a:p>
